--- a/01_DeppLearning.pptx
+++ b/01_DeppLearning.pptx
@@ -211,7 +211,7 @@
             <a:fld id="{6837EDA8-41C8-4B24-A206-13C08A65A6D7}" type="datetimeFigureOut">
               <a:rPr lang="zh-TW" altLang="en-US" smtClean="0"/>
               <a:pPr/>
-              <a:t>2020/5/1</a:t>
+              <a:t>2020/5/3</a:t>
             </a:fld>
             <a:endParaRPr lang="zh-TW" altLang="en-US"/>
           </a:p>
@@ -664,7 +664,7 @@
             <a:fld id="{8B85509C-BD4F-47BF-9B1E-FC2E949B3621}" type="datetime1">
               <a:rPr lang="zh-TW" altLang="en-US" smtClean="0"/>
               <a:pPr/>
-              <a:t>2020/5/1</a:t>
+              <a:t>2020/5/3</a:t>
             </a:fld>
             <a:endParaRPr lang="zh-TW" altLang="en-US"/>
           </a:p>
@@ -837,7 +837,7 @@
             <a:fld id="{42251B24-F787-4C15-8A0F-7AEC20C70069}" type="datetime1">
               <a:rPr lang="zh-TW" altLang="en-US" smtClean="0"/>
               <a:pPr/>
-              <a:t>2020/5/1</a:t>
+              <a:t>2020/5/3</a:t>
             </a:fld>
             <a:endParaRPr lang="zh-TW" altLang="en-US"/>
           </a:p>
@@ -1012,7 +1012,7 @@
             <a:fld id="{9CA0D33C-CE2B-45F1-B8D4-FFD1F131F331}" type="datetime1">
               <a:rPr lang="zh-TW" altLang="en-US" smtClean="0"/>
               <a:pPr/>
-              <a:t>2020/5/1</a:t>
+              <a:t>2020/5/3</a:t>
             </a:fld>
             <a:endParaRPr lang="zh-TW" altLang="en-US"/>
           </a:p>
@@ -1177,7 +1177,7 @@
             <a:fld id="{50B99440-D9EF-40CC-9B52-F6428D9B2C76}" type="datetime1">
               <a:rPr lang="zh-TW" altLang="en-US" smtClean="0"/>
               <a:pPr/>
-              <a:t>2020/5/1</a:t>
+              <a:t>2020/5/3</a:t>
             </a:fld>
             <a:endParaRPr lang="zh-TW" altLang="en-US"/>
           </a:p>
@@ -1419,7 +1419,7 @@
             <a:fld id="{0871BF52-5C6C-4959-8E27-CECB68D39FE4}" type="datetime1">
               <a:rPr lang="zh-TW" altLang="en-US" smtClean="0"/>
               <a:pPr/>
-              <a:t>2020/5/1</a:t>
+              <a:t>2020/5/3</a:t>
             </a:fld>
             <a:endParaRPr lang="zh-TW" altLang="en-US"/>
           </a:p>
@@ -1701,7 +1701,7 @@
             <a:fld id="{DF863F05-2DD9-4EB1-A827-12FD992DE9DC}" type="datetime1">
               <a:rPr lang="zh-TW" altLang="en-US" smtClean="0"/>
               <a:pPr/>
-              <a:t>2020/5/1</a:t>
+              <a:t>2020/5/3</a:t>
             </a:fld>
             <a:endParaRPr lang="zh-TW" altLang="en-US"/>
           </a:p>
@@ -2117,7 +2117,7 @@
             <a:fld id="{6339AF51-4491-4873-A096-75DB6CE47516}" type="datetime1">
               <a:rPr lang="zh-TW" altLang="en-US" smtClean="0"/>
               <a:pPr/>
-              <a:t>2020/5/1</a:t>
+              <a:t>2020/5/3</a:t>
             </a:fld>
             <a:endParaRPr lang="zh-TW" altLang="en-US"/>
           </a:p>
@@ -2231,7 +2231,7 @@
             <a:fld id="{EE4AD9C8-8B9E-40FF-ABE2-858AC2057BBB}" type="datetime1">
               <a:rPr lang="zh-TW" altLang="en-US" smtClean="0"/>
               <a:pPr/>
-              <a:t>2020/5/1</a:t>
+              <a:t>2020/5/3</a:t>
             </a:fld>
             <a:endParaRPr lang="zh-TW" altLang="en-US"/>
           </a:p>
@@ -2323,7 +2323,7 @@
             <a:fld id="{B4784999-BBBE-4BE4-A8D0-877E7D1D66CC}" type="datetime1">
               <a:rPr lang="zh-TW" altLang="en-US" smtClean="0"/>
               <a:pPr/>
-              <a:t>2020/5/1</a:t>
+              <a:t>2020/5/3</a:t>
             </a:fld>
             <a:endParaRPr lang="zh-TW" altLang="en-US"/>
           </a:p>
@@ -2595,7 +2595,7 @@
             <a:fld id="{E88D17E6-02BD-4944-B9FE-7BFCCBF83D48}" type="datetime1">
               <a:rPr lang="zh-TW" altLang="en-US" smtClean="0"/>
               <a:pPr/>
-              <a:t>2020/5/1</a:t>
+              <a:t>2020/5/3</a:t>
             </a:fld>
             <a:endParaRPr lang="zh-TW" altLang="en-US"/>
           </a:p>
@@ -2844,7 +2844,7 @@
             <a:fld id="{3C13E23D-1FEF-4D78-A3A3-3D6F2BB31954}" type="datetime1">
               <a:rPr lang="zh-TW" altLang="en-US" smtClean="0"/>
               <a:pPr/>
-              <a:t>2020/5/1</a:t>
+              <a:t>2020/5/3</a:t>
             </a:fld>
             <a:endParaRPr lang="zh-TW" altLang="en-US"/>
           </a:p>
@@ -3052,7 +3052,7 @@
             <a:fld id="{06197F35-AD6F-4594-8B50-334492D2E7E8}" type="datetime1">
               <a:rPr lang="zh-TW" altLang="en-US" smtClean="0"/>
               <a:pPr/>
-              <a:t>2020/5/1</a:t>
+              <a:t>2020/5/3</a:t>
             </a:fld>
             <a:endParaRPr lang="zh-TW" altLang="en-US"/>
           </a:p>
@@ -3513,7 +3513,7 @@
             <a:fld id="{C389EDC9-19E3-47AC-9C57-C6A24DEA81AD}" type="datetime1">
               <a:rPr lang="zh-TW" altLang="en-US" smtClean="0"/>
               <a:pPr/>
-              <a:t>2020/5/1</a:t>
+              <a:t>2020/5/3</a:t>
             </a:fld>
             <a:endParaRPr lang="zh-TW" altLang="en-US"/>
           </a:p>
@@ -3676,7 +3676,7 @@
         <p:spPr>
           <a:xfrm>
             <a:off x="467544" y="1268759"/>
-            <a:ext cx="8352928" cy="1440161"/>
+            <a:ext cx="3816424" cy="2520281"/>
           </a:xfrm>
           <a:ln>
             <a:solidFill>
@@ -3863,7 +3863,7 @@
             <a:fld id="{A4F910E6-8D00-4BAF-8C48-9688E0B449D3}" type="datetime1">
               <a:rPr lang="zh-TW" altLang="en-US" smtClean="0"/>
               <a:pPr/>
-              <a:t>2020/5/1</a:t>
+              <a:t>2020/5/3</a:t>
             </a:fld>
             <a:endParaRPr lang="zh-TW" altLang="en-US"/>
           </a:p>
@@ -3893,6 +3893,58 @@
           </a:p>
         </p:txBody>
       </p:sp>
+      <p:pic>
+        <p:nvPicPr>
+          <p:cNvPr id="7" name="Picture 2" descr="How are AI, Machine Learning, Deep Learning &amp; Data Science Related?">
+            <a:extLst>
+              <a:ext uri="{FF2B5EF4-FFF2-40B4-BE49-F238E27FC236}">
+                <a16:creationId xmlns:a16="http://schemas.microsoft.com/office/drawing/2014/main" id="{44A3FED6-9580-4A74-AC63-0006DA29638D}"/>
+              </a:ext>
+            </a:extLst>
+          </p:cNvPr>
+          <p:cNvPicPr>
+            <a:picLocks noChangeAspect="1" noChangeArrowheads="1"/>
+          </p:cNvPicPr>
+          <p:nvPr/>
+        </p:nvPicPr>
+        <p:blipFill>
+          <a:blip r:embed="rId3" cstate="print">
+            <a:extLst>
+              <a:ext uri="{28A0092B-C50C-407E-A947-70E740481C1C}">
+                <a14:useLocalDpi xmlns:a14="http://schemas.microsoft.com/office/drawing/2010/main" val="0"/>
+              </a:ext>
+            </a:extLst>
+          </a:blip>
+          <a:srcRect/>
+          <a:stretch>
+            <a:fillRect/>
+          </a:stretch>
+        </p:blipFill>
+        <p:spPr bwMode="auto">
+          <a:xfrm>
+            <a:off x="4788024" y="1318456"/>
+            <a:ext cx="4221088" cy="4221088"/>
+          </a:xfrm>
+          <a:prstGeom prst="rect">
+            <a:avLst/>
+          </a:prstGeom>
+          <a:noFill/>
+          <a:ln>
+            <a:solidFill>
+              <a:srgbClr val="C00000"/>
+            </a:solidFill>
+          </a:ln>
+          <a:extLst>
+            <a:ext uri="{909E8E84-426E-40DD-AFC4-6F175D3DCCD1}">
+              <a14:hiddenFill xmlns:a14="http://schemas.microsoft.com/office/drawing/2010/main">
+                <a:solidFill>
+                  <a:srgbClr val="FFFFFF"/>
+                </a:solidFill>
+              </a14:hiddenFill>
+            </a:ext>
+          </a:extLst>
+        </p:spPr>
+      </p:pic>
     </p:spTree>
   </p:cSld>
   <p:clrMapOvr>
@@ -4000,7 +4052,7 @@
             <a:fld id="{4E46BE27-E923-4EC2-B046-3272AE2A3E5C}" type="datetime1">
               <a:rPr lang="zh-TW" altLang="en-US" smtClean="0"/>
               <a:pPr/>
-              <a:t>2020/5/1</a:t>
+              <a:t>2020/5/3</a:t>
             </a:fld>
             <a:endParaRPr lang="zh-TW" altLang="en-US"/>
           </a:p>
